--- a/Millsop_Ventura_Ye_Final_Project_Presentation.pptx
+++ b/Millsop_Ventura_Ye_Final_Project_Presentation.pptx
@@ -24,6 +24,9 @@
   </p:sldIdLst>
   <p:sldSz cx="9144000" cy="6858000" type="screen4x3"/>
   <p:notesSz cx="6858000" cy="9144000"/>
+  <p:custDataLst>
+    <p:tags r:id="rId14"/>
+  </p:custDataLst>
   <p:defaultTextStyle>
     <a:defPPr>
       <a:defRPr lang="en-US"/>
@@ -1103,8 +1106,8 @@
   </dgm:ptLst>
   <dgm:cxnLst>
     <dgm:cxn modelId="{BA928EF5-4776-4955-89E6-1BE57646CF8B}" type="presOf" srcId="{E2EBBD62-8B2B-4144-9106-7CB8B2FCC8BB}" destId="{7AB88E18-F558-4C24-B1AE-B92A32792E12}" srcOrd="0" destOrd="0" presId="urn:microsoft.com/office/officeart/2005/8/layout/process2"/>
+    <dgm:cxn modelId="{9FEF10B5-22D5-4C53-8C02-4B0176072704}" type="presOf" srcId="{7CE7349A-51FE-4D07-A248-4698F253261A}" destId="{B246CA8E-C1F2-4FA8-ACBA-44B97825687D}" srcOrd="0" destOrd="0" presId="urn:microsoft.com/office/officeart/2005/8/layout/process2"/>
     <dgm:cxn modelId="{1F2A35EA-3605-4A04-8CC8-C168748582C0}" srcId="{7CE7349A-51FE-4D07-A248-4698F253261A}" destId="{8F621FF6-93E7-4801-9C7A-FCF7544E20DC}" srcOrd="0" destOrd="0" parTransId="{3A6EE0BF-BC77-468D-98A4-34206B89C4BB}" sibTransId="{E2EBBD62-8B2B-4144-9106-7CB8B2FCC8BB}"/>
-    <dgm:cxn modelId="{9FEF10B5-22D5-4C53-8C02-4B0176072704}" type="presOf" srcId="{7CE7349A-51FE-4D07-A248-4698F253261A}" destId="{B246CA8E-C1F2-4FA8-ACBA-44B97825687D}" srcOrd="0" destOrd="0" presId="urn:microsoft.com/office/officeart/2005/8/layout/process2"/>
     <dgm:cxn modelId="{01D8F1EB-A8C6-4C7F-A871-79480DB104AB}" type="presOf" srcId="{5FB6C864-58BC-4AF9-A81C-85CBCE54184A}" destId="{E0BB7612-4088-4C09-9F42-DF5B12D9593D}" srcOrd="0" destOrd="0" presId="urn:microsoft.com/office/officeart/2005/8/layout/process2"/>
     <dgm:cxn modelId="{E712D7ED-CB78-42A2-9109-54831D723464}" type="presOf" srcId="{8F621FF6-93E7-4801-9C7A-FCF7544E20DC}" destId="{33E975DD-F0E6-4D42-AE7E-2F314A466156}" srcOrd="0" destOrd="0" presId="urn:microsoft.com/office/officeart/2005/8/layout/process2"/>
     <dgm:cxn modelId="{D0092BDB-4620-430E-95C7-40B6D7EBD21C}" srcId="{7CE7349A-51FE-4D07-A248-4698F253261A}" destId="{82C2442D-AF26-4E46-B37F-1DE9D1AD3269}" srcOrd="2" destOrd="0" parTransId="{EE414045-5254-4396-AA1A-3A7CB13EAF3A}" sibTransId="{706BCC02-9800-4217-AE62-B0D938365E4F}"/>
@@ -2783,7 +2786,7 @@
           <a:p>
             <a:fld id="{97CB1905-1EEB-6545-B5E2-B70E8868255E}" type="datetimeFigureOut">
               <a:rPr lang="en-US" smtClean="0"/>
-              <a:t>12/11/2018</a:t>
+              <a:t>12/12/2018</a:t>
             </a:fld>
             <a:endParaRPr lang="en-US"/>
           </a:p>
@@ -2949,7 +2952,7 @@
           <a:p>
             <a:fld id="{5F53F6BF-7462-9046-A2B6-90C29244BD27}" type="datetimeFigureOut">
               <a:rPr lang="en-US" smtClean="0"/>
-              <a:t>12/11/2018</a:t>
+              <a:t>12/12/2018</a:t>
             </a:fld>
             <a:endParaRPr lang="en-US"/>
           </a:p>
@@ -3695,7 +3698,6 @@
               <a:rPr lang="en-US" baseline="0" dirty="0" smtClean="0"/>
               <a:t>https://www.faminternational.com/wp-content/uploads/p_shop_country.jpg</a:t>
             </a:r>
-            <a:endParaRPr lang="en-US" baseline="0" dirty="0" smtClean="0"/>
           </a:p>
         </p:txBody>
       </p:sp>
@@ -4051,11 +4053,31 @@
           <a:p>
             <a:r>
               <a:rPr lang="en-US" dirty="0" smtClean="0"/>
-              <a:t>The first step is exploratory data analysis.</a:t>
+              <a:t>Our </a:t>
+            </a:r>
+            <a:r>
+              <a:rPr lang="en-US" dirty="0" smtClean="0"/>
+              <a:t>first step </a:t>
+            </a:r>
+            <a:r>
+              <a:rPr lang="en-US" dirty="0" smtClean="0"/>
+              <a:t>was </a:t>
+            </a:r>
+            <a:r>
+              <a:rPr lang="en-US" dirty="0" smtClean="0"/>
+              <a:t>exploratory data analysis.</a:t>
             </a:r>
             <a:r>
               <a:rPr lang="en-US" baseline="0" dirty="0" smtClean="0"/>
-              <a:t>  The attribute that we are trying to predict is the country destination, so that seemed a good place to start.</a:t>
+              <a:t>  The </a:t>
+            </a:r>
+            <a:r>
+              <a:rPr lang="en-US" baseline="0" dirty="0" smtClean="0"/>
+              <a:t>outcome </a:t>
+            </a:r>
+            <a:r>
+              <a:rPr lang="en-US" baseline="0" dirty="0" smtClean="0"/>
+              <a:t>that we are trying to predict is the country destination, so that seemed a good place to start.</a:t>
             </a:r>
           </a:p>
           <a:p>
@@ -4067,8 +4089,21 @@
           <a:p>
             <a:r>
               <a:rPr lang="en-US" baseline="0" dirty="0" smtClean="0"/>
-              <a:t>We can see that the training data is heavily imbalanced.  Most of the samples belong to this No Destination Found class, indicating that the user did not make a reservation.  The second highest represented group is US, indicating that typical first-time users are domestic.</a:t>
-            </a:r>
+              <a:t>We can see that the training data is heavily imbalanced.  Most of the samples belong to this No Destination Found class, indicating that the user did not make a </a:t>
+            </a:r>
+            <a:r>
+              <a:rPr lang="en-US" baseline="0" dirty="0" smtClean="0"/>
+              <a:t>booking.  </a:t>
+            </a:r>
+            <a:r>
+              <a:rPr lang="en-US" baseline="0" dirty="0" smtClean="0"/>
+              <a:t>The second highest represented group is US, indicating that typical first-time users are domestic</a:t>
+            </a:r>
+            <a:r>
+              <a:rPr lang="en-US" baseline="0" dirty="0" smtClean="0"/>
+              <a:t>.  The remaining classes make up about 10% of the samples.  The distribution of classes makes this a challenging research question.</a:t>
+            </a:r>
+            <a:endParaRPr lang="en-US" baseline="0" dirty="0" smtClean="0"/>
           </a:p>
           <a:p>
             <a:r>
@@ -4103,7 +4138,15 @@
             </a:r>
             <a:r>
               <a:rPr lang="en-US" baseline="0" dirty="0" smtClean="0"/>
-              <a:t> and then a some in </a:t>
+              <a:t> and then </a:t>
+            </a:r>
+            <a:r>
+              <a:rPr lang="en-US" baseline="0" dirty="0" smtClean="0"/>
+              <a:t>some </a:t>
+            </a:r>
+            <a:r>
+              <a:rPr lang="en-US" baseline="0" dirty="0" smtClean="0"/>
+              <a:t>in </a:t>
             </a:r>
             <a:r>
               <a:rPr lang="en-US" baseline="0" dirty="0" err="1" smtClean="0"/>
@@ -4111,7 +4154,11 @@
             </a:r>
             <a:r>
               <a:rPr lang="en-US" baseline="0" dirty="0" smtClean="0"/>
-              <a:t>.  We should ignore </a:t>
+              <a:t>.  </a:t>
+            </a:r>
+            <a:r>
+              <a:rPr lang="en-US" baseline="0" dirty="0" smtClean="0"/>
+              <a:t>We’ll ignore </a:t>
             </a:r>
             <a:r>
               <a:rPr lang="en-US" baseline="0" dirty="0" err="1" smtClean="0"/>
@@ -4119,15 +4166,20 @@
             </a:r>
             <a:r>
               <a:rPr lang="en-US" baseline="0" dirty="0" smtClean="0"/>
-              <a:t>, since that actually comes with the </a:t>
-            </a:r>
-            <a:r>
-              <a:rPr lang="en-US" baseline="0" dirty="0" err="1" smtClean="0"/>
-              <a:t>country_destination</a:t>
-            </a:r>
+              <a:t> since that isn’t available in the test set.  If we dig into the remaining two null columns then we see this:</a:t>
+            </a:r>
+            <a:endParaRPr lang="en-US" baseline="0" dirty="0" smtClean="0"/>
+          </a:p>
+          <a:p>
             <a:r>
               <a:rPr lang="en-US" baseline="0" dirty="0" smtClean="0"/>
-              <a:t>, which is absent in the test set.  Exploring the relationship between the two remaining </a:t>
+              <a:t>[Transition]</a:t>
+            </a:r>
+          </a:p>
+          <a:p>
+            <a:r>
+              <a:rPr lang="en-US" baseline="0" dirty="0" smtClean="0"/>
+              <a:t>The blue bars have no </a:t>
             </a:r>
             <a:r>
               <a:rPr lang="en-US" baseline="0" dirty="0" err="1" smtClean="0"/>
@@ -4135,19 +4187,7 @@
             </a:r>
             <a:r>
               <a:rPr lang="en-US" baseline="0" dirty="0" smtClean="0"/>
-              <a:t> attributes to the outcome variable yields this:</a:t>
-            </a:r>
-          </a:p>
-          <a:p>
-            <a:r>
-              <a:rPr lang="en-US" baseline="0" dirty="0" smtClean="0"/>
-              <a:t>[Transition]</a:t>
-            </a:r>
-          </a:p>
-          <a:p>
-            <a:r>
-              <a:rPr lang="en-US" baseline="0" dirty="0" smtClean="0"/>
-              <a:t>The blue bars have no </a:t>
+              <a:t> samples.  The green bar however, is when age is </a:t>
             </a:r>
             <a:r>
               <a:rPr lang="en-US" baseline="0" dirty="0" err="1" smtClean="0"/>
@@ -4155,14 +4195,6 @@
             </a:r>
             <a:r>
               <a:rPr lang="en-US" baseline="0" dirty="0" smtClean="0"/>
-              <a:t> samples.  The green bar however, is when age is </a:t>
-            </a:r>
-            <a:r>
-              <a:rPr lang="en-US" baseline="0" dirty="0" err="1" smtClean="0"/>
-              <a:t>NaN</a:t>
-            </a:r>
-            <a:r>
-              <a:rPr lang="en-US" baseline="0" dirty="0" smtClean="0"/>
               <a:t>.  This condition is over-represented in the NDF group, so it will be a good feature to train on.  We can’t really say anything about the </a:t>
             </a:r>
             <a:r>
@@ -4171,58 +4203,22 @@
             </a:r>
             <a:r>
               <a:rPr lang="en-US" baseline="0" dirty="0" smtClean="0"/>
-              <a:t> attribute based upon this data though.</a:t>
-            </a:r>
-          </a:p>
-          <a:p>
+              <a:t> attribute based upon this data though</a:t>
+            </a:r>
             <a:r>
               <a:rPr lang="en-US" baseline="0" dirty="0" smtClean="0"/>
-              <a:t>[Transition]</a:t>
-            </a:r>
+              <a:t>.</a:t>
+            </a:r>
+          </a:p>
+          <a:p>
+            <a:endParaRPr lang="en-US" baseline="0" dirty="0" smtClean="0"/>
           </a:p>
           <a:p>
             <a:r>
               <a:rPr lang="en-US" baseline="0" dirty="0" smtClean="0"/>
-              <a:t>Moving on to the Country data set, this chart illustrates the language </a:t>
-            </a:r>
-            <a:r>
-              <a:rPr lang="en-US" baseline="0" dirty="0" err="1" smtClean="0"/>
-              <a:t>Levenshtein</a:t>
-            </a:r>
-            <a:r>
-              <a:rPr lang="en-US" baseline="0" dirty="0" smtClean="0"/>
-              <a:t> distance, which is the degree of similarity between two languages.  A value of 0 in this data indicates that the language at the country destination is English.  </a:t>
-            </a:r>
-          </a:p>
-          <a:p>
-            <a:r>
-              <a:rPr lang="en-US" baseline="0" dirty="0" smtClean="0"/>
-              <a:t>The </a:t>
-            </a:r>
-            <a:r>
-              <a:rPr lang="en-US" baseline="0" dirty="0" err="1" smtClean="0"/>
-              <a:t>date_first_booking</a:t>
-            </a:r>
-            <a:r>
-              <a:rPr lang="en-US" baseline="0" dirty="0" smtClean="0"/>
-              <a:t> </a:t>
-            </a:r>
-            <a:r>
-              <a:rPr lang="en-US" baseline="0" dirty="0" err="1" smtClean="0"/>
-              <a:t>NaN</a:t>
-            </a:r>
-            <a:r>
-              <a:rPr lang="en-US" baseline="0" dirty="0" smtClean="0"/>
-              <a:t> samples are exclusively in the NDF class, which is reasonable since all of the bookings should have an associated date.  This is an important feature to train on. The age variable though has </a:t>
-            </a:r>
-            <a:r>
-              <a:rPr lang="en-US" baseline="0" dirty="0" err="1" smtClean="0"/>
-              <a:t>NaN’s</a:t>
-            </a:r>
-            <a:r>
-              <a:rPr lang="en-US" baseline="0" dirty="0" smtClean="0"/>
-              <a:t> distributed throughout all of the classes.</a:t>
-            </a:r>
+              <a:t>We explored other features in the datasets but didn’t find anything else that was obviously important.</a:t>
+            </a:r>
+            <a:endParaRPr lang="en-US" baseline="0" dirty="0" smtClean="0"/>
           </a:p>
         </p:txBody>
       </p:sp>
@@ -7483,7 +7479,7 @@
           <p:cNvPr id="4" name="Google Shape;77;p16">
             <a:extLst>
               <a:ext uri="{FF2B5EF4-FFF2-40B4-BE49-F238E27FC236}">
-                <a16:creationId xmlns="" xmlns:a16="http://schemas.microsoft.com/office/drawing/2014/main" id="{3410A28E-AA46-4864-BA14-FD82F3345FF3}"/>
+                <a16:creationId xmlns:a16="http://schemas.microsoft.com/office/drawing/2014/main" id="{3410A28E-AA46-4864-BA14-FD82F3345FF3}"/>
               </a:ext>
             </a:extLst>
           </p:cNvPr>
@@ -8408,9 +8404,6 @@
               </a:rPr>
               <a:t>: Get acquainted with Kaggle and practice our ML techniques.</a:t>
             </a:r>
-            <a:endParaRPr lang="en-US" sz="1800" dirty="0" smtClean="0">
-              <a:sym typeface="Wingdings" panose="05000000000000000000" pitchFamily="2" charset="2"/>
-            </a:endParaRPr>
           </a:p>
         </p:txBody>
       </p:sp>
@@ -8508,7 +8501,7 @@
           <a:graphicData uri="http://schemas.openxmlformats.org/presentationml/2006/ole">
             <mc:AlternateContent xmlns:mc="http://schemas.openxmlformats.org/markup-compatibility/2006">
               <mc:Choice xmlns:v="urn:schemas-microsoft-com:vml" Requires="v">
-                <p:oleObj spid="_x0000_s2059" name="Bitmap Image" r:id="rId8" imgW="1000080" imgH="952560" progId="Paint.Picture">
+                <p:oleObj spid="_x0000_s2062" name="Bitmap Image" r:id="rId8" imgW="1000080" imgH="952560" progId="Paint.Picture">
                   <p:embed/>
                 </p:oleObj>
               </mc:Choice>
@@ -8580,13 +8573,13 @@
   <p:clrMapOvr>
     <a:masterClrMapping/>
   </p:clrMapOvr>
-  <mc:AlternateContent xmlns:mc="http://schemas.openxmlformats.org/markup-compatibility/2006">
-    <mc:Choice xmlns:p14="http://schemas.microsoft.com/office/powerpoint/2010/main" Requires="p14">
+  <mc:AlternateContent xmlns:mc="http://schemas.openxmlformats.org/markup-compatibility/2006" xmlns:p14="http://schemas.microsoft.com/office/powerpoint/2010/main">
+    <mc:Choice Requires="p14">
       <p:transition spd="med" p14:dur="700">
         <p:fade/>
       </p:transition>
     </mc:Choice>
-    <mc:Fallback>
+    <mc:Fallback xmlns="">
       <p:transition spd="med">
         <p:fade/>
       </p:transition>
@@ -9236,9 +9229,6 @@
               </a:rPr>
               <a:t>Closed Competition    Insights from Top Finishers</a:t>
             </a:r>
-            <a:endParaRPr lang="en-US" sz="2400" dirty="0" smtClean="0">
-              <a:sym typeface="Wingdings" panose="05000000000000000000" pitchFamily="2" charset="2"/>
-            </a:endParaRPr>
           </a:p>
         </p:txBody>
       </p:sp>
@@ -9569,9 +9559,6 @@
               </a:rPr>
               <a:t> Place Winner</a:t>
             </a:r>
-            <a:endParaRPr lang="en-US" sz="1400" dirty="0" smtClean="0">
-              <a:sym typeface="Wingdings" panose="05000000000000000000" pitchFamily="2" charset="2"/>
-            </a:endParaRPr>
           </a:p>
         </p:txBody>
       </p:sp>
@@ -10746,7 +10733,7 @@
         </p:nvGrpSpPr>
         <p:grpSpPr>
           <a:xfrm>
-            <a:off x="157673" y="1297015"/>
+            <a:off x="157673" y="2305196"/>
             <a:ext cx="2528888" cy="2536031"/>
             <a:chOff x="153959" y="1690688"/>
             <a:chExt cx="3371850" cy="3381375"/>
@@ -10803,7 +10790,7 @@
       </p:grpSp>
       <p:pic>
         <p:nvPicPr>
-          <p:cNvPr id="13" name="Picture 12"/>
+          <p:cNvPr id="15" name="Picture 14"/>
           <p:cNvPicPr>
             <a:picLocks noChangeAspect="1"/>
           </p:cNvPicPr>
@@ -10817,31 +10804,7 @@
         </p:blipFill>
         <p:spPr>
           <a:xfrm>
-            <a:off x="6042975" y="1349816"/>
-            <a:ext cx="2998594" cy="2435929"/>
-          </a:xfrm>
-          <a:prstGeom prst="rect">
-            <a:avLst/>
-          </a:prstGeom>
-        </p:spPr>
-      </p:pic>
-      <p:pic>
-        <p:nvPicPr>
-          <p:cNvPr id="15" name="Picture 14"/>
-          <p:cNvPicPr>
-            <a:picLocks noChangeAspect="1"/>
-          </p:cNvPicPr>
-          <p:nvPr/>
-        </p:nvPicPr>
-        <p:blipFill>
-          <a:blip r:embed="rId6"/>
-          <a:stretch>
-            <a:fillRect/>
-          </a:stretch>
-        </p:blipFill>
-        <p:spPr>
-          <a:xfrm>
-            <a:off x="2926969" y="1418657"/>
+            <a:off x="2926969" y="2426838"/>
             <a:ext cx="2875598" cy="2635964"/>
           </a:xfrm>
           <a:prstGeom prst="rect">
@@ -10858,14 +10821,14 @@
           <p:nvPr/>
         </p:nvPicPr>
         <p:blipFill>
-          <a:blip r:embed="rId7"/>
+          <a:blip r:embed="rId6"/>
           <a:stretch>
             <a:fillRect/>
           </a:stretch>
         </p:blipFill>
         <p:spPr>
           <a:xfrm>
-            <a:off x="2686561" y="4167308"/>
+            <a:off x="6047548" y="2535545"/>
             <a:ext cx="3096452" cy="2075332"/>
           </a:xfrm>
           <a:prstGeom prst="rect">
@@ -11051,60 +11014,15 @@
                                   </p:childTnLst>
                                 </p:cTn>
                               </p:par>
-                            </p:childTnLst>
-                          </p:cTn>
-                        </p:par>
-                      </p:childTnLst>
-                    </p:cTn>
-                  </p:par>
-                  <p:par>
-                    <p:cTn id="18" fill="hold">
-                      <p:stCondLst>
-                        <p:cond delay="indefinite"/>
-                      </p:stCondLst>
-                      <p:childTnLst>
-                        <p:par>
-                          <p:cTn id="19" fill="hold">
-                            <p:stCondLst>
-                              <p:cond delay="0"/>
-                            </p:stCondLst>
-                            <p:childTnLst>
                               <p:par>
-                                <p:cTn id="20" presetID="1" presetClass="entr" presetSubtype="0" fill="hold" nodeType="clickEffect">
-                                  <p:stCondLst>
-                                    <p:cond delay="0"/>
-                                  </p:stCondLst>
-                                  <p:childTnLst>
-                                    <p:set>
-                                      <p:cBhvr>
-                                        <p:cTn id="21" dur="1" fill="hold">
-                                          <p:stCondLst>
-                                            <p:cond delay="0"/>
-                                          </p:stCondLst>
-                                        </p:cTn>
-                                        <p:tgtEl>
-                                          <p:spTgt spid="13"/>
-                                        </p:tgtEl>
-                                        <p:attrNameLst>
-                                          <p:attrName>style.visibility</p:attrName>
-                                        </p:attrNameLst>
-                                      </p:cBhvr>
-                                      <p:to>
-                                        <p:strVal val="visible"/>
-                                      </p:to>
-                                    </p:set>
-                                  </p:childTnLst>
-                                </p:cTn>
-                              </p:par>
-                              <p:par>
-                                <p:cTn id="22" presetID="9" presetClass="emph" presetSubtype="0" nodeType="withEffect">
+                                <p:cTn id="18" presetID="9" presetClass="emph" presetSubtype="0" nodeType="withEffect">
                                   <p:stCondLst>
                                     <p:cond delay="0"/>
                                   </p:stCondLst>
                                   <p:childTnLst>
                                     <p:set>
                                       <p:cBhvr rctx="PPT">
-                                        <p:cTn id="23" dur="indefinite"/>
+                                        <p:cTn id="19" dur="indefinite"/>
                                         <p:tgtEl>
                                           <p:spTgt spid="15"/>
                                         </p:tgtEl>
@@ -11118,40 +11036,9 @@
                                     </p:set>
                                     <p:animEffect filter="image" prLst="opacity: 0.1">
                                       <p:cBhvr rctx="IE">
-                                        <p:cTn id="24" dur="indefinite"/>
+                                        <p:cTn id="20" dur="indefinite"/>
                                         <p:tgtEl>
                                           <p:spTgt spid="15"/>
-                                        </p:tgtEl>
-                                      </p:cBhvr>
-                                    </p:animEffect>
-                                  </p:childTnLst>
-                                </p:cTn>
-                              </p:par>
-                              <p:par>
-                                <p:cTn id="25" presetID="9" presetClass="emph" presetSubtype="0" nodeType="withEffect">
-                                  <p:stCondLst>
-                                    <p:cond delay="0"/>
-                                  </p:stCondLst>
-                                  <p:childTnLst>
-                                    <p:set>
-                                      <p:cBhvr rctx="PPT">
-                                        <p:cTn id="26" dur="indefinite"/>
-                                        <p:tgtEl>
-                                          <p:spTgt spid="3"/>
-                                        </p:tgtEl>
-                                        <p:attrNameLst>
-                                          <p:attrName>style.opacity</p:attrName>
-                                        </p:attrNameLst>
-                                      </p:cBhvr>
-                                      <p:to>
-                                        <p:strVal val="0.1"/>
-                                      </p:to>
-                                    </p:set>
-                                    <p:animEffect filter="image" prLst="opacity: 0.1">
-                                      <p:cBhvr rctx="IE">
-                                        <p:cTn id="27" dur="indefinite"/>
-                                        <p:tgtEl>
-                                          <p:spTgt spid="3"/>
                                         </p:tgtEl>
                                       </p:cBhvr>
                                     </p:animEffect>
@@ -12346,7 +12233,7 @@
           <p:cNvPr id="5" name="Subtitle 4">
             <a:extLst>
               <a:ext uri="{FF2B5EF4-FFF2-40B4-BE49-F238E27FC236}">
-                <a16:creationId xmlns="" xmlns:a16="http://schemas.microsoft.com/office/drawing/2014/main" id="{39F0168E-D6CF-4CEE-8C07-89988825A554}"/>
+                <a16:creationId xmlns:a16="http://schemas.microsoft.com/office/drawing/2014/main" id="{39F0168E-D6CF-4CEE-8C07-89988825A554}"/>
               </a:ext>
             </a:extLst>
           </p:cNvPr>
@@ -12535,7 +12422,7 @@
           <p:cNvPr id="7" name="Google Shape;61;p14">
             <a:extLst>
               <a:ext uri="{FF2B5EF4-FFF2-40B4-BE49-F238E27FC236}">
-                <a16:creationId xmlns="" xmlns:a16="http://schemas.microsoft.com/office/drawing/2014/main" id="{635F8D62-282A-4E36-B8F5-AE61052A6D36}"/>
+                <a16:creationId xmlns:a16="http://schemas.microsoft.com/office/drawing/2014/main" id="{635F8D62-282A-4E36-B8F5-AE61052A6D36}"/>
               </a:ext>
             </a:extLst>
           </p:cNvPr>
@@ -12753,7 +12640,7 @@
           <p:cNvPr id="7" name="Google Shape;67;p15">
             <a:extLst>
               <a:ext uri="{FF2B5EF4-FFF2-40B4-BE49-F238E27FC236}">
-                <a16:creationId xmlns="" xmlns:a16="http://schemas.microsoft.com/office/drawing/2014/main" id="{7DDEDA20-40CB-42EC-9B16-0A90BCE74C2E}"/>
+                <a16:creationId xmlns:a16="http://schemas.microsoft.com/office/drawing/2014/main" id="{7DDEDA20-40CB-42EC-9B16-0A90BCE74C2E}"/>
               </a:ext>
             </a:extLst>
           </p:cNvPr>
@@ -12787,7 +12674,7 @@
           <p:cNvPr id="8" name="Google Shape;68;p15">
             <a:extLst>
               <a:ext uri="{FF2B5EF4-FFF2-40B4-BE49-F238E27FC236}">
-                <a16:creationId xmlns="" xmlns:a16="http://schemas.microsoft.com/office/drawing/2014/main" id="{03F5BF11-A513-486E-80C4-A7F4DC976EAC}"/>
+                <a16:creationId xmlns:a16="http://schemas.microsoft.com/office/drawing/2014/main" id="{03F5BF11-A513-486E-80C4-A7F4DC976EAC}"/>
               </a:ext>
             </a:extLst>
           </p:cNvPr>
@@ -12821,7 +12708,7 @@
           <p:cNvPr id="11" name="Text Placeholder 3">
             <a:extLst>
               <a:ext uri="{FF2B5EF4-FFF2-40B4-BE49-F238E27FC236}">
-                <a16:creationId xmlns="" xmlns:a16="http://schemas.microsoft.com/office/drawing/2014/main" id="{9A93CEB7-71FD-486B-9487-48B6122873C8}"/>
+                <a16:creationId xmlns:a16="http://schemas.microsoft.com/office/drawing/2014/main" id="{9A93CEB7-71FD-486B-9487-48B6122873C8}"/>
               </a:ext>
             </a:extLst>
           </p:cNvPr>
@@ -13003,7 +12890,7 @@
           <p:cNvPr id="12" name="Text Placeholder 3">
             <a:extLst>
               <a:ext uri="{FF2B5EF4-FFF2-40B4-BE49-F238E27FC236}">
-                <a16:creationId xmlns="" xmlns:a16="http://schemas.microsoft.com/office/drawing/2014/main" id="{AF4E76B4-50E1-4679-B5A2-8C21AA227A01}"/>
+                <a16:creationId xmlns:a16="http://schemas.microsoft.com/office/drawing/2014/main" id="{AF4E76B4-50E1-4679-B5A2-8C21AA227A01}"/>
               </a:ext>
             </a:extLst>
           </p:cNvPr>
@@ -13349,11 +13236,21 @@
 
 <file path=ppt/tags/tag1.xml><?xml version="1.0" encoding="utf-8"?>
 <p:tagLst xmlns:a="http://schemas.openxmlformats.org/drawingml/2006/main" xmlns:r="http://schemas.openxmlformats.org/officeDocument/2006/relationships" xmlns:p="http://schemas.openxmlformats.org/presentationml/2006/main">
+  <p:tag name="VARPPTCOMPATIBLERD03" val="RXP"/>
+  <p:tag name="VARPPTTYPE" val="RXP"/>
+  <p:tag name="VARPPTSLIDEFORMAT" val="RXP"/>
+  <p:tag name="VARPPTCOMPATIBLE4" val="RXP"/>
+  <p:tag name="VARSAVEMESSAGETIMESTAMP" val="RXP12/12/2018"/>
+</p:tagLst>
+</file>
+
+<file path=ppt/tags/tag2.xml><?xml version="1.0" encoding="utf-8"?>
+<p:tagLst xmlns:a="http://schemas.openxmlformats.org/drawingml/2006/main" xmlns:r="http://schemas.openxmlformats.org/officeDocument/2006/relationships" xmlns:p="http://schemas.openxmlformats.org/presentationml/2006/main">
   <p:tag name="TIMING" val="|9|7.2|7.8|5.9|6.7"/>
 </p:tagLst>
 </file>
 
-<file path=ppt/tags/tag2.xml><?xml version="1.0" encoding="utf-8"?>
+<file path=ppt/tags/tag3.xml><?xml version="1.0" encoding="utf-8"?>
 <p:tagLst xmlns:a="http://schemas.openxmlformats.org/drawingml/2006/main" xmlns:r="http://schemas.openxmlformats.org/officeDocument/2006/relationships" xmlns:p="http://schemas.openxmlformats.org/presentationml/2006/main">
   <p:tag name="TIMING" val="|9|7.2|7.8|5.9|6.7"/>
 </p:tagLst>
